--- a/Presentations/20200930 OGCAPI Sprint Day 2.pptx
+++ b/Presentations/20200930 OGCAPI Sprint Day 2.pptx
@@ -6759,7 +6759,7 @@
         </p:blipFill>
         <p:spPr>
           <a:xfrm>
-            <a:off x="0" y="1039534"/>
+            <a:off x="108857" y="1039534"/>
             <a:ext cx="12192000" cy="4778931"/>
           </a:xfrm>
           <a:prstGeom prst="rect">
